--- a/Abbildungen/wtfi_5_klinisiche_forschung.pptx
+++ b/Abbildungen/wtfi_5_klinisiche_forschung.pptx
@@ -243,7 +243,7 @@
           <a:p>
             <a:fld id="{51BCCF01-26B7-4A41-9BE9-A8D5676ACC9D}" type="datetimeFigureOut">
               <a:rPr lang="de-DE" smtClean="0"/>
-              <a:t>08.11.2021</a:t>
+              <a:t>06.11.2022</a:t>
             </a:fld>
             <a:endParaRPr lang="de-DE"/>
           </a:p>
@@ -285,7 +285,7 @@
           <a:p>
             <a:fld id="{4E69F17C-D0D7-4BE2-91F9-E0ED817930D0}" type="slidenum">
               <a:rPr lang="de-DE" smtClean="0"/>
-              <a:t>‹#›</a:t>
+              <a:t>‹Nr.›</a:t>
             </a:fld>
             <a:endParaRPr lang="de-DE"/>
           </a:p>
@@ -413,7 +413,7 @@
           <a:p>
             <a:fld id="{51BCCF01-26B7-4A41-9BE9-A8D5676ACC9D}" type="datetimeFigureOut">
               <a:rPr lang="de-DE" smtClean="0"/>
-              <a:t>08.11.2021</a:t>
+              <a:t>06.11.2022</a:t>
             </a:fld>
             <a:endParaRPr lang="de-DE"/>
           </a:p>
@@ -455,7 +455,7 @@
           <a:p>
             <a:fld id="{4E69F17C-D0D7-4BE2-91F9-E0ED817930D0}" type="slidenum">
               <a:rPr lang="de-DE" smtClean="0"/>
-              <a:t>‹#›</a:t>
+              <a:t>‹Nr.›</a:t>
             </a:fld>
             <a:endParaRPr lang="de-DE"/>
           </a:p>
@@ -593,7 +593,7 @@
           <a:p>
             <a:fld id="{51BCCF01-26B7-4A41-9BE9-A8D5676ACC9D}" type="datetimeFigureOut">
               <a:rPr lang="de-DE" smtClean="0"/>
-              <a:t>08.11.2021</a:t>
+              <a:t>06.11.2022</a:t>
             </a:fld>
             <a:endParaRPr lang="de-DE"/>
           </a:p>
@@ -635,7 +635,7 @@
           <a:p>
             <a:fld id="{4E69F17C-D0D7-4BE2-91F9-E0ED817930D0}" type="slidenum">
               <a:rPr lang="de-DE" smtClean="0"/>
-              <a:t>‹#›</a:t>
+              <a:t>‹Nr.›</a:t>
             </a:fld>
             <a:endParaRPr lang="de-DE"/>
           </a:p>
@@ -763,7 +763,7 @@
           <a:p>
             <a:fld id="{51BCCF01-26B7-4A41-9BE9-A8D5676ACC9D}" type="datetimeFigureOut">
               <a:rPr lang="de-DE" smtClean="0"/>
-              <a:t>08.11.2021</a:t>
+              <a:t>06.11.2022</a:t>
             </a:fld>
             <a:endParaRPr lang="de-DE"/>
           </a:p>
@@ -805,7 +805,7 @@
           <a:p>
             <a:fld id="{4E69F17C-D0D7-4BE2-91F9-E0ED817930D0}" type="slidenum">
               <a:rPr lang="de-DE" smtClean="0"/>
-              <a:t>‹#›</a:t>
+              <a:t>‹Nr.›</a:t>
             </a:fld>
             <a:endParaRPr lang="de-DE"/>
           </a:p>
@@ -1009,7 +1009,7 @@
           <a:p>
             <a:fld id="{51BCCF01-26B7-4A41-9BE9-A8D5676ACC9D}" type="datetimeFigureOut">
               <a:rPr lang="de-DE" smtClean="0"/>
-              <a:t>08.11.2021</a:t>
+              <a:t>06.11.2022</a:t>
             </a:fld>
             <a:endParaRPr lang="de-DE"/>
           </a:p>
@@ -1051,7 +1051,7 @@
           <a:p>
             <a:fld id="{4E69F17C-D0D7-4BE2-91F9-E0ED817930D0}" type="slidenum">
               <a:rPr lang="de-DE" smtClean="0"/>
-              <a:t>‹#›</a:t>
+              <a:t>‹Nr.›</a:t>
             </a:fld>
             <a:endParaRPr lang="de-DE"/>
           </a:p>
@@ -1241,7 +1241,7 @@
           <a:p>
             <a:fld id="{51BCCF01-26B7-4A41-9BE9-A8D5676ACC9D}" type="datetimeFigureOut">
               <a:rPr lang="de-DE" smtClean="0"/>
-              <a:t>08.11.2021</a:t>
+              <a:t>06.11.2022</a:t>
             </a:fld>
             <a:endParaRPr lang="de-DE"/>
           </a:p>
@@ -1283,7 +1283,7 @@
           <a:p>
             <a:fld id="{4E69F17C-D0D7-4BE2-91F9-E0ED817930D0}" type="slidenum">
               <a:rPr lang="de-DE" smtClean="0"/>
-              <a:t>‹#›</a:t>
+              <a:t>‹Nr.›</a:t>
             </a:fld>
             <a:endParaRPr lang="de-DE"/>
           </a:p>
@@ -1608,7 +1608,7 @@
           <a:p>
             <a:fld id="{51BCCF01-26B7-4A41-9BE9-A8D5676ACC9D}" type="datetimeFigureOut">
               <a:rPr lang="de-DE" smtClean="0"/>
-              <a:t>08.11.2021</a:t>
+              <a:t>06.11.2022</a:t>
             </a:fld>
             <a:endParaRPr lang="de-DE"/>
           </a:p>
@@ -1650,7 +1650,7 @@
           <a:p>
             <a:fld id="{4E69F17C-D0D7-4BE2-91F9-E0ED817930D0}" type="slidenum">
               <a:rPr lang="de-DE" smtClean="0"/>
-              <a:t>‹#›</a:t>
+              <a:t>‹Nr.›</a:t>
             </a:fld>
             <a:endParaRPr lang="de-DE"/>
           </a:p>
@@ -1726,7 +1726,7 @@
           <a:p>
             <a:fld id="{51BCCF01-26B7-4A41-9BE9-A8D5676ACC9D}" type="datetimeFigureOut">
               <a:rPr lang="de-DE" smtClean="0"/>
-              <a:t>08.11.2021</a:t>
+              <a:t>06.11.2022</a:t>
             </a:fld>
             <a:endParaRPr lang="de-DE"/>
           </a:p>
@@ -1768,7 +1768,7 @@
           <a:p>
             <a:fld id="{4E69F17C-D0D7-4BE2-91F9-E0ED817930D0}" type="slidenum">
               <a:rPr lang="de-DE" smtClean="0"/>
-              <a:t>‹#›</a:t>
+              <a:t>‹Nr.›</a:t>
             </a:fld>
             <a:endParaRPr lang="de-DE"/>
           </a:p>
@@ -1821,7 +1821,7 @@
           <a:p>
             <a:fld id="{51BCCF01-26B7-4A41-9BE9-A8D5676ACC9D}" type="datetimeFigureOut">
               <a:rPr lang="de-DE" smtClean="0"/>
-              <a:t>08.11.2021</a:t>
+              <a:t>06.11.2022</a:t>
             </a:fld>
             <a:endParaRPr lang="de-DE"/>
           </a:p>
@@ -1863,7 +1863,7 @@
           <a:p>
             <a:fld id="{4E69F17C-D0D7-4BE2-91F9-E0ED817930D0}" type="slidenum">
               <a:rPr lang="de-DE" smtClean="0"/>
-              <a:t>‹#›</a:t>
+              <a:t>‹Nr.›</a:t>
             </a:fld>
             <a:endParaRPr lang="de-DE"/>
           </a:p>
@@ -2098,7 +2098,7 @@
           <a:p>
             <a:fld id="{51BCCF01-26B7-4A41-9BE9-A8D5676ACC9D}" type="datetimeFigureOut">
               <a:rPr lang="de-DE" smtClean="0"/>
-              <a:t>08.11.2021</a:t>
+              <a:t>06.11.2022</a:t>
             </a:fld>
             <a:endParaRPr lang="de-DE"/>
           </a:p>
@@ -2140,7 +2140,7 @@
           <a:p>
             <a:fld id="{4E69F17C-D0D7-4BE2-91F9-E0ED817930D0}" type="slidenum">
               <a:rPr lang="de-DE" smtClean="0"/>
-              <a:t>‹#›</a:t>
+              <a:t>‹Nr.›</a:t>
             </a:fld>
             <a:endParaRPr lang="de-DE"/>
           </a:p>
@@ -2355,7 +2355,7 @@
           <a:p>
             <a:fld id="{51BCCF01-26B7-4A41-9BE9-A8D5676ACC9D}" type="datetimeFigureOut">
               <a:rPr lang="de-DE" smtClean="0"/>
-              <a:t>08.11.2021</a:t>
+              <a:t>06.11.2022</a:t>
             </a:fld>
             <a:endParaRPr lang="de-DE"/>
           </a:p>
@@ -2397,7 +2397,7 @@
           <a:p>
             <a:fld id="{4E69F17C-D0D7-4BE2-91F9-E0ED817930D0}" type="slidenum">
               <a:rPr lang="de-DE" smtClean="0"/>
-              <a:t>‹#›</a:t>
+              <a:t>‹Nr.›</a:t>
             </a:fld>
             <a:endParaRPr lang="de-DE"/>
           </a:p>
@@ -2568,7 +2568,7 @@
           <a:p>
             <a:fld id="{51BCCF01-26B7-4A41-9BE9-A8D5676ACC9D}" type="datetimeFigureOut">
               <a:rPr lang="de-DE" smtClean="0"/>
-              <a:t>08.11.2021</a:t>
+              <a:t>06.11.2022</a:t>
             </a:fld>
             <a:endParaRPr lang="de-DE"/>
           </a:p>
@@ -2646,7 +2646,7 @@
           <a:p>
             <a:fld id="{4E69F17C-D0D7-4BE2-91F9-E0ED817930D0}" type="slidenum">
               <a:rPr lang="de-DE" smtClean="0"/>
-              <a:t>‹#›</a:t>
+              <a:t>‹Nr.›</a:t>
             </a:fld>
             <a:endParaRPr lang="de-DE"/>
           </a:p>
@@ -3120,8 +3120,8 @@
         </p:nvSpPr>
         <p:spPr>
           <a:xfrm>
-            <a:off x="5096442" y="66536"/>
-            <a:ext cx="3233578" cy="430887"/>
+            <a:off x="4991607" y="66536"/>
+            <a:ext cx="3663182" cy="430887"/>
           </a:xfrm>
           <a:prstGeom prst="rect">
             <a:avLst/>
@@ -3140,7 +3140,23 @@
                 <a:ea typeface="CMU Sans Serif" panose="02000603000000000000" pitchFamily="2" charset="0"/>
                 <a:cs typeface="CMU Sans Serif" panose="02000603000000000000" pitchFamily="2" charset="0"/>
               </a:rPr>
-              <a:t>Klassische Psychotherapie</a:t>
+              <a:t>Face-</a:t>
+            </a:r>
+            <a:r>
+              <a:rPr lang="de-DE" sz="2200" dirty="0" err="1">
+                <a:latin typeface="CMU Sans Serif" panose="02000603000000000000" pitchFamily="2" charset="0"/>
+                <a:ea typeface="CMU Sans Serif" panose="02000603000000000000" pitchFamily="2" charset="0"/>
+                <a:cs typeface="CMU Sans Serif" panose="02000603000000000000" pitchFamily="2" charset="0"/>
+              </a:rPr>
+              <a:t>To</a:t>
+            </a:r>
+            <a:r>
+              <a:rPr lang="de-DE" sz="2200" dirty="0">
+                <a:latin typeface="CMU Sans Serif" panose="02000603000000000000" pitchFamily="2" charset="0"/>
+                <a:ea typeface="CMU Sans Serif" panose="02000603000000000000" pitchFamily="2" charset="0"/>
+                <a:cs typeface="CMU Sans Serif" panose="02000603000000000000" pitchFamily="2" charset="0"/>
+              </a:rPr>
+              <a:t>-Face Psychotherapie</a:t>
             </a:r>
           </a:p>
         </p:txBody>
